--- a/Board Game Sales.pptx
+++ b/Board Game Sales.pptx
@@ -106,6 +106,11 @@
       </a:defRPr>
     </a:lvl9pPr>
   </p:defaultTextStyle>
+  <p:extLst>
+    <p:ext uri="{EFAFB233-063F-42B5-8137-9DF3F51BA10A}">
+      <p15:sldGuideLst xmlns:p15="http://schemas.microsoft.com/office/powerpoint/2012/main"/>
+    </p:ext>
+  </p:extLst>
 </p:presentation>
 </file>
 
@@ -4385,7 +4390,7 @@
           <a:p>
             <a:fld id="{48A87A34-81AB-432B-8DAE-1953F412C126}" type="datetimeFigureOut">
               <a:rPr lang="en-US" dirty="0"/>
-              <a:t>2/1/2024</a:t>
+              <a:t>2/4/2024</a:t>
             </a:fld>
             <a:endParaRPr lang="en-US" dirty="0"/>
           </a:p>
@@ -4647,7 +4652,7 @@
           <a:p>
             <a:fld id="{48A87A34-81AB-432B-8DAE-1953F412C126}" type="datetimeFigureOut">
               <a:rPr lang="en-US" dirty="0"/>
-              <a:t>2/1/2024</a:t>
+              <a:t>2/4/2024</a:t>
             </a:fld>
             <a:endParaRPr lang="en-US" dirty="0"/>
           </a:p>
@@ -4838,7 +4843,7 @@
           <a:p>
             <a:fld id="{48A87A34-81AB-432B-8DAE-1953F412C126}" type="datetimeFigureOut">
               <a:rPr lang="en-US" dirty="0"/>
-              <a:t>2/1/2024</a:t>
+              <a:t>2/4/2024</a:t>
             </a:fld>
             <a:endParaRPr lang="en-US" dirty="0"/>
           </a:p>
@@ -5096,7 +5101,7 @@
           <a:p>
             <a:fld id="{48A87A34-81AB-432B-8DAE-1953F412C126}" type="datetimeFigureOut">
               <a:rPr lang="en-US" dirty="0"/>
-              <a:t>2/1/2024</a:t>
+              <a:t>2/4/2024</a:t>
             </a:fld>
             <a:endParaRPr lang="en-US" dirty="0"/>
           </a:p>
@@ -5525,7 +5530,7 @@
           <a:p>
             <a:fld id="{48A87A34-81AB-432B-8DAE-1953F412C126}" type="datetimeFigureOut">
               <a:rPr lang="en-US" dirty="0"/>
-              <a:t>2/1/2024</a:t>
+              <a:t>2/4/2024</a:t>
             </a:fld>
             <a:endParaRPr lang="en-US" dirty="0"/>
           </a:p>
@@ -6066,7 +6071,7 @@
           <a:p>
             <a:fld id="{48A87A34-81AB-432B-8DAE-1953F412C126}" type="datetimeFigureOut">
               <a:rPr lang="en-US" dirty="0"/>
-              <a:t>2/1/2024</a:t>
+              <a:t>2/4/2024</a:t>
             </a:fld>
             <a:endParaRPr lang="en-US" dirty="0"/>
           </a:p>
@@ -6781,7 +6786,7 @@
           <a:p>
             <a:fld id="{48A87A34-81AB-432B-8DAE-1953F412C126}" type="datetimeFigureOut">
               <a:rPr lang="en-US" dirty="0"/>
-              <a:t>2/1/2024</a:t>
+              <a:t>2/4/2024</a:t>
             </a:fld>
             <a:endParaRPr lang="en-US" dirty="0"/>
           </a:p>
@@ -6946,7 +6951,7 @@
           <a:p>
             <a:fld id="{48A87A34-81AB-432B-8DAE-1953F412C126}" type="datetimeFigureOut">
               <a:rPr lang="en-US" dirty="0"/>
-              <a:t>2/1/2024</a:t>
+              <a:t>2/4/2024</a:t>
             </a:fld>
             <a:endParaRPr lang="en-US" dirty="0"/>
           </a:p>
@@ -7121,7 +7126,7 @@
           <a:p>
             <a:fld id="{48A87A34-81AB-432B-8DAE-1953F412C126}" type="datetimeFigureOut">
               <a:rPr lang="en-US" dirty="0"/>
-              <a:t>2/1/2024</a:t>
+              <a:t>2/4/2024</a:t>
             </a:fld>
             <a:endParaRPr lang="en-US" dirty="0"/>
           </a:p>
@@ -7286,7 +7291,7 @@
           <a:p>
             <a:fld id="{48A87A34-81AB-432B-8DAE-1953F412C126}" type="datetimeFigureOut">
               <a:rPr lang="en-US" dirty="0"/>
-              <a:t>2/1/2024</a:t>
+              <a:t>2/4/2024</a:t>
             </a:fld>
             <a:endParaRPr lang="en-US" dirty="0"/>
           </a:p>
@@ -7531,7 +7536,7 @@
           <a:p>
             <a:fld id="{48A87A34-81AB-432B-8DAE-1953F412C126}" type="datetimeFigureOut">
               <a:rPr lang="en-US" dirty="0"/>
-              <a:t>2/1/2024</a:t>
+              <a:t>2/4/2024</a:t>
             </a:fld>
             <a:endParaRPr lang="en-US" dirty="0"/>
           </a:p>
@@ -7758,7 +7763,7 @@
           <a:p>
             <a:fld id="{48A87A34-81AB-432B-8DAE-1953F412C126}" type="datetimeFigureOut">
               <a:rPr lang="en-US" dirty="0"/>
-              <a:t>2/1/2024</a:t>
+              <a:t>2/4/2024</a:t>
             </a:fld>
             <a:endParaRPr lang="en-US" dirty="0"/>
           </a:p>
@@ -8134,7 +8139,7 @@
           <a:p>
             <a:fld id="{48A87A34-81AB-432B-8DAE-1953F412C126}" type="datetimeFigureOut">
               <a:rPr lang="en-US" dirty="0"/>
-              <a:t>2/1/2024</a:t>
+              <a:t>2/4/2024</a:t>
             </a:fld>
             <a:endParaRPr lang="en-US" dirty="0"/>
           </a:p>
@@ -8247,7 +8252,7 @@
           <a:p>
             <a:fld id="{48A87A34-81AB-432B-8DAE-1953F412C126}" type="datetimeFigureOut">
               <a:rPr lang="en-US" dirty="0"/>
-              <a:t>2/1/2024</a:t>
+              <a:t>2/4/2024</a:t>
             </a:fld>
             <a:endParaRPr lang="en-US" dirty="0"/>
           </a:p>
@@ -8337,7 +8342,7 @@
           <a:p>
             <a:fld id="{48A87A34-81AB-432B-8DAE-1953F412C126}" type="datetimeFigureOut">
               <a:rPr lang="en-US" dirty="0"/>
-              <a:t>2/1/2024</a:t>
+              <a:t>2/4/2024</a:t>
             </a:fld>
             <a:endParaRPr lang="en-US" dirty="0"/>
           </a:p>
@@ -8581,7 +8586,7 @@
           <a:p>
             <a:fld id="{48A87A34-81AB-432B-8DAE-1953F412C126}" type="datetimeFigureOut">
               <a:rPr lang="en-US" dirty="0"/>
-              <a:t>2/1/2024</a:t>
+              <a:t>2/4/2024</a:t>
             </a:fld>
             <a:endParaRPr lang="en-US" dirty="0"/>
           </a:p>
@@ -8856,7 +8861,7 @@
           <a:p>
             <a:fld id="{48A87A34-81AB-432B-8DAE-1953F412C126}" type="datetimeFigureOut">
               <a:rPr lang="en-US" dirty="0"/>
-              <a:t>2/1/2024</a:t>
+              <a:t>2/4/2024</a:t>
             </a:fld>
             <a:endParaRPr lang="en-US" dirty="0"/>
           </a:p>
@@ -11929,7 +11934,7 @@
             <a:fld id="{48A87A34-81AB-432B-8DAE-1953F412C126}" type="datetimeFigureOut">
               <a:rPr lang="en-US" dirty="0"/>
               <a:pPr/>
-              <a:t>2/1/2024</a:t>
+              <a:t>2/4/2024</a:t>
             </a:fld>
             <a:endParaRPr lang="en-US" dirty="0"/>
           </a:p>
@@ -13268,29 +13273,7 @@
                 </a:solidFill>
                 <a:latin typeface="Century Schoolbook" panose="02040604050505020304" pitchFamily="18" charset="0"/>
               </a:rPr>
-              <a:t>Provide a tabular grid that displays the sales trend for each theme. The grid should showcase </a:t>
-            </a:r>
-            <a:r>
-              <a:rPr lang="en-US">
-                <a:solidFill>
-                  <a:schemeClr val="tx1">
-                    <a:lumMod val="85000"/>
-                  </a:schemeClr>
-                </a:solidFill>
-                <a:latin typeface="Century Schoolbook" panose="02040604050505020304" pitchFamily="18" charset="0"/>
-              </a:rPr>
-              <a:t>the theme </a:t>
-            </a:r>
-            <a:r>
-              <a:rPr lang="en-US" dirty="0">
-                <a:solidFill>
-                  <a:schemeClr val="tx1">
-                    <a:lumMod val="85000"/>
-                  </a:schemeClr>
-                </a:solidFill>
-                <a:latin typeface="Century Schoolbook" panose="02040604050505020304" pitchFamily="18" charset="0"/>
-              </a:rPr>
-              <a:t>name along with their YTD sales figures.</a:t>
+              <a:t>Provide a tabular grid that displays the sales trend for each theme. The grid should showcase the theme name along with their YTD sales figures.</a:t>
             </a:r>
           </a:p>
         </p:txBody>
